--- a/dist/documentation-versioning.pptx
+++ b/dist/documentation-versioning.pptx
@@ -603,7 +603,8 @@
           <a:p>
             <a:r>
               <a:rPr lang="en-US" dirty="0"/>
-              <a:t/>
+              <a:t>dropdown example is made simpler because the config is more complex
+and because the server setup is more complex</a:t>
             </a:r>
             <a:endParaRPr lang="en-US" dirty="0"/>
           </a:p>
@@ -691,7 +692,8 @@
           <a:p>
             <a:r>
               <a:rPr lang="en-US" dirty="0"/>
-              <a:t>and not, for instance, the blog</a:t>
+              <a:t>and not, for instance, the blog
+some work is being done on k8s to address compartmentalazion, but it is ongoing</a:t>
             </a:r>
             <a:endParaRPr lang="en-US" dirty="0"/>
           </a:p>
@@ -1134,12 +1136,15 @@
           <a:p>
             <a:r>
               <a:rPr lang="en-US" dirty="0"/>
-              <a:t>Navigation: Differences between versions (how do you deal with pages that have been added, removed, or moved between releases?)
+              <a:t>Readers: ease of navigation/understanding
 Maintainer: how hard is it to update when it's time to cut a new version?
+Necessity: YAGNI - you ain't gonna need it
+Navigation: Differences between versions (how do you deal with pages that have been added, removed, or moved between releases?)
+Searchability: Does the duplication of pages affect search results? How do you manage result priority between versions
+Localization/internationalization: how does the added complexity of language/locale versions affect the version system
 Compartmentalization: Does all of the site need to be versioned?
 How do we avoid versioning the entire site if only Documentation versions are the goal?
-Switchability: How easy is it to change versioning schemes
-Searchability: Does the duplication of pages affect search results?</a:t>
+Switchability: How easy is it to change versioning schemes</a:t>
             </a:r>
             <a:endParaRPr lang="en-US" dirty="0"/>
           </a:p>
@@ -1407,7 +1412,8 @@
           <a:p>
             <a:r>
               <a:rPr lang="en-US" dirty="0"/>
-              <a:t>One of the things that make this a good example is how Batard (2020, L8-L18)
+              <a:t>Can make code more complex
+One of the things that make this a good example is how Batard (2020, L8-L18)
 manages the navigation in the `/site/layouts/docs/versions.html` file,
 particularly the use of the `replace` function to ensure that when the links in
 the dropdown menu are built, the versioned links reflect the currently loaded
@@ -1499,7 +1505,7 @@
           <a:p>
             <a:r>
               <a:rPr lang="en-US" dirty="0"/>
-              <a:t/>
+              <a:t>Can make configuration less complex</a:t>
             </a:r>
             <a:endParaRPr lang="en-US" dirty="0"/>
           </a:p>
@@ -1589,6 +1595,7 @@
               <a:rPr lang="en-US" dirty="0"/>
               <a:t>Scores high on: - Localization / Internationalization
 Scores low on: - Compartmentalization
+Scores low on: - Maintenance, each version is its own site
 The subdomain scheme uses some simpler template code to generate links, only having to update the `.url`, but the Hugo config file is made more complex.</a:t>
             </a:r>
             <a:endParaRPr lang="en-US" dirty="0"/>
@@ -1677,7 +1684,7 @@
           <a:p>
             <a:r>
               <a:rPr lang="en-US" dirty="0"/>
-              <a:t/>
+              <a:t>same style of dropdown function as before, made simpler</a:t>
             </a:r>
             <a:endParaRPr lang="en-US" dirty="0"/>
           </a:p>
